--- a/BakerzBite.pptx
+++ b/BakerzBite.pptx
@@ -6019,13 +6019,13 @@
   </p:clrMapOvr>
   <mc:AlternateContent xmlns:mc="http://schemas.openxmlformats.org/markup-compatibility/2006">
     <mc:Choice xmlns:p14="http://schemas.microsoft.com/office/powerpoint/2010/main" Requires="p14">
-      <p:transition spd="slow" p14:dur="1600">
-        <p:blinds dir="vert"/>
+      <p:transition spd="slow" p14:dur="4400">
+        <p14:honeycomb/>
       </p:transition>
     </mc:Choice>
     <mc:Fallback>
       <p:transition spd="slow">
-        <p:blinds dir="vert"/>
+        <p:fade/>
       </p:transition>
     </mc:Fallback>
   </mc:AlternateContent>
@@ -6969,13 +6969,13 @@
   </p:clrMapOvr>
   <mc:AlternateContent xmlns:mc="http://schemas.openxmlformats.org/markup-compatibility/2006">
     <mc:Choice xmlns:p14="http://schemas.microsoft.com/office/powerpoint/2010/main" Requires="p14">
-      <p:transition spd="slow" p14:dur="1500">
-        <p:split orient="vert"/>
+      <p:transition spd="slow" p14:dur="3900">
+        <p14:glitter pattern="hexagon"/>
       </p:transition>
     </mc:Choice>
     <mc:Fallback>
       <p:transition spd="slow">
-        <p:split orient="vert"/>
+        <p:fade/>
       </p:transition>
     </mc:Fallback>
   </mc:AlternateContent>
@@ -11493,13 +11493,13 @@
   </p:clrMapOvr>
   <mc:AlternateContent xmlns:mc="http://schemas.openxmlformats.org/markup-compatibility/2006">
     <mc:Choice xmlns:p14="http://schemas.microsoft.com/office/powerpoint/2010/main" Requires="p14">
-      <p:transition spd="slow" p14:dur="1500">
-        <p:split orient="vert"/>
+      <p:transition spd="slow" p14:dur="3900">
+        <p14:glitter pattern="hexagon"/>
       </p:transition>
     </mc:Choice>
     <mc:Fallback>
       <p:transition spd="slow">
-        <p:split orient="vert"/>
+        <p:fade/>
       </p:transition>
     </mc:Fallback>
   </mc:AlternateContent>
@@ -11677,6 +11677,9 @@
   <p:clrMapOvr>
     <a:masterClrMapping/>
   </p:clrMapOvr>
+  <p:transition spd="slow">
+    <p:comb/>
+  </p:transition>
   <p:timing>
     <p:tnLst>
       <p:par>
@@ -12089,9 +12092,18 @@
   <p:clrMapOvr>
     <a:masterClrMapping/>
   </p:clrMapOvr>
-  <p:transition spd="med">
-    <p:pull/>
-  </p:transition>
+  <mc:AlternateContent xmlns:mc="http://schemas.openxmlformats.org/markup-compatibility/2006">
+    <mc:Choice xmlns:p14="http://schemas.microsoft.com/office/powerpoint/2010/main" Requires="p14">
+      <p:transition spd="slow" p14:dur="4400">
+        <p14:honeycomb/>
+      </p:transition>
+    </mc:Choice>
+    <mc:Fallback>
+      <p:transition spd="slow">
+        <p:fade/>
+      </p:transition>
+    </mc:Fallback>
+  </mc:AlternateContent>
   <p:timing>
     <p:tnLst>
       <p:par>
@@ -12244,9 +12256,18 @@
   <p:clrMapOvr>
     <a:masterClrMapping/>
   </p:clrMapOvr>
-  <p:transition spd="slow">
-    <p:wipe/>
-  </p:transition>
+  <mc:AlternateContent xmlns:mc="http://schemas.openxmlformats.org/markup-compatibility/2006">
+    <mc:Choice xmlns:p14="http://schemas.microsoft.com/office/powerpoint/2010/main" Requires="p14">
+      <p:transition spd="slow" p14:dur="3900">
+        <p14:glitter pattern="hexagon"/>
+      </p:transition>
+    </mc:Choice>
+    <mc:Fallback>
+      <p:transition spd="slow">
+        <p:fade/>
+      </p:transition>
+    </mc:Fallback>
+  </mc:AlternateContent>
   <p:timing>
     <p:tnLst>
       <p:par>
@@ -12408,9 +12429,18 @@
   <p:clrMapOvr>
     <a:masterClrMapping/>
   </p:clrMapOvr>
-  <p:transition spd="slow">
-    <p:wipe/>
-  </p:transition>
+  <mc:AlternateContent xmlns:mc="http://schemas.openxmlformats.org/markup-compatibility/2006">
+    <mc:Choice xmlns:p14="http://schemas.microsoft.com/office/powerpoint/2010/main" Requires="p14">
+      <p:transition spd="slow" p14:dur="3900">
+        <p14:glitter pattern="hexagon"/>
+      </p:transition>
+    </mc:Choice>
+    <mc:Fallback>
+      <p:transition spd="slow">
+        <p:fade/>
+      </p:transition>
+    </mc:Fallback>
+  </mc:AlternateContent>
   <p:timing>
     <p:tnLst>
       <p:par>
@@ -12584,9 +12614,18 @@
   <p:clrMapOvr>
     <a:masterClrMapping/>
   </p:clrMapOvr>
-  <p:transition spd="slow">
-    <p:wipe/>
-  </p:transition>
+  <mc:AlternateContent xmlns:mc="http://schemas.openxmlformats.org/markup-compatibility/2006">
+    <mc:Choice xmlns:p14="http://schemas.microsoft.com/office/powerpoint/2010/main" Requires="p14">
+      <p:transition spd="slow" p14:dur="3900">
+        <p14:glitter pattern="hexagon"/>
+      </p:transition>
+    </mc:Choice>
+    <mc:Fallback>
+      <p:transition spd="slow">
+        <p:fade/>
+      </p:transition>
+    </mc:Fallback>
+  </mc:AlternateContent>
   <p:timing>
     <p:tnLst>
       <p:par>
@@ -13307,9 +13346,18 @@
   <p:clrMapOvr>
     <a:masterClrMapping/>
   </p:clrMapOvr>
-  <p:transition spd="slow">
-    <p:wipe/>
-  </p:transition>
+  <mc:AlternateContent xmlns:mc="http://schemas.openxmlformats.org/markup-compatibility/2006">
+    <mc:Choice xmlns:p14="http://schemas.microsoft.com/office/powerpoint/2010/main" Requires="p14">
+      <p:transition spd="slow" p14:dur="3900">
+        <p14:glitter pattern="hexagon"/>
+      </p:transition>
+    </mc:Choice>
+    <mc:Fallback>
+      <p:transition spd="slow">
+        <p:fade/>
+      </p:transition>
+    </mc:Fallback>
+  </mc:AlternateContent>
   <p:timing>
     <p:tnLst>
       <p:par>
@@ -20967,9 +21015,18 @@
   <p:clrMapOvr>
     <a:masterClrMapping/>
   </p:clrMapOvr>
-  <p:transition spd="slow">
-    <p:wipe/>
-  </p:transition>
+  <mc:AlternateContent xmlns:mc="http://schemas.openxmlformats.org/markup-compatibility/2006">
+    <mc:Choice xmlns:p14="http://schemas.microsoft.com/office/powerpoint/2010/main" Requires="p14">
+      <p:transition spd="slow" p14:dur="3900">
+        <p14:glitter pattern="hexagon"/>
+      </p:transition>
+    </mc:Choice>
+    <mc:Fallback>
+      <p:transition spd="slow">
+        <p:fade/>
+      </p:transition>
+    </mc:Fallback>
+  </mc:AlternateContent>
   <p:timing>
     <p:tnLst>
       <p:par>
@@ -27344,9 +27401,18 @@
   <p:clrMapOvr>
     <a:masterClrMapping/>
   </p:clrMapOvr>
-  <p:transition spd="slow">
-    <p:wipe/>
-  </p:transition>
+  <mc:AlternateContent xmlns:mc="http://schemas.openxmlformats.org/markup-compatibility/2006">
+    <mc:Choice xmlns:p14="http://schemas.microsoft.com/office/powerpoint/2010/main" Requires="p14">
+      <p:transition spd="slow" p14:dur="3900">
+        <p14:glitter pattern="hexagon"/>
+      </p:transition>
+    </mc:Choice>
+    <mc:Fallback>
+      <p:transition spd="slow">
+        <p:fade/>
+      </p:transition>
+    </mc:Fallback>
+  </mc:AlternateContent>
   <p:timing>
     <p:tnLst>
       <p:par>
@@ -27987,13 +28053,13 @@
   </p:clrMapOvr>
   <mc:AlternateContent xmlns:mc="http://schemas.openxmlformats.org/markup-compatibility/2006">
     <mc:Choice xmlns:p14="http://schemas.microsoft.com/office/powerpoint/2010/main" Requires="p14">
-      <p:transition spd="slow" p14:dur="1500">
-        <p:split orient="vert"/>
+      <p:transition spd="slow" p14:dur="3900">
+        <p14:glitter pattern="hexagon"/>
       </p:transition>
     </mc:Choice>
     <mc:Fallback>
       <p:transition spd="slow">
-        <p:split orient="vert"/>
+        <p:fade/>
       </p:transition>
     </mc:Fallback>
   </mc:AlternateContent>
